--- a/Daily(written_in_Korean)/190213.pptx
+++ b/Daily(written_in_Korean)/190213.pptx
@@ -280,7 +280,7 @@
               <a:pPr>
                 <a:defRPr/>
               </a:pPr>
-              <a:t>2019-02-12</a:t>
+              <a:t>2019-02-14</a:t>
             </a:fld>
             <a:endParaRPr lang="ko-KR" altLang="en-US"/>
           </a:p>
@@ -13846,11 +13846,7 @@
             <a:pPr lvl="1"/>
             <a:r>
               <a:rPr lang="en-US" altLang="ko-KR" kern="0" dirty="0" smtClean="0"/>
-              <a:t>1 * ln(request - support) + </a:t>
-            </a:r>
-            <a:r>
-              <a:rPr lang="en-US" altLang="ko-KR" kern="0" dirty="0" smtClean="0"/>
-              <a:t>0</a:t>
+              <a:t>1 * ln(request - support) + 0</a:t>
             </a:r>
           </a:p>
           <a:p>
@@ -13862,7 +13858,6 @@
               <a:rPr lang="en-US" altLang="ko-KR" kern="0" dirty="0" smtClean="0"/>
               <a:t>Segment duration</a:t>
             </a:r>
-            <a:endParaRPr lang="en-US" altLang="ko-KR" kern="0" dirty="0" smtClean="0"/>
           </a:p>
           <a:p>
             <a:pPr lvl="1"/>
@@ -13880,7 +13875,6 @@
               <a:rPr lang="en-US" altLang="ko-KR" kern="0" dirty="0" smtClean="0"/>
               <a:t>Timeslot</a:t>
             </a:r>
-            <a:endParaRPr lang="en-US" altLang="ko-KR" kern="0" dirty="0" smtClean="0"/>
           </a:p>
           <a:p>
             <a:pPr lvl="1"/>
